--- a/2019_Mentoring/8_weeks/멘토링_8주차.pptx
+++ b/2019_Mentoring/8_weeks/멘토링_8주차.pptx
@@ -122,7 +122,7 @@
   </p:defaultTextStyle>
   <p:extLst>
     <p:ext uri="{EFAFB233-063F-42B5-8137-9DF3F51BA10A}">
-      <p15:sldGuideLst xmlns="" xmlns:p15="http://schemas.microsoft.com/office/powerpoint/2012/main">
+      <p15:sldGuideLst xmlns:p15="http://schemas.microsoft.com/office/powerpoint/2012/main" xmlns="">
         <p15:guide id="1" orient="horz" pos="2160">
           <p15:clr>
             <a:srgbClr val="A4A3A4"/>
@@ -309,7 +309,7 @@
                 </a:solidFill>
               </a:rPr>
               <a:pPr/>
-              <a:t>2019-06-03</a:t>
+              <a:t>2019-06-04</a:t>
             </a:fld>
             <a:endParaRPr lang="ko-KR" altLang="en-US">
               <a:solidFill>
@@ -499,7 +499,7 @@
                 </a:solidFill>
               </a:rPr>
               <a:pPr/>
-              <a:t>2019-06-03</a:t>
+              <a:t>2019-06-04</a:t>
             </a:fld>
             <a:endParaRPr lang="ko-KR" altLang="en-US">
               <a:solidFill>
@@ -699,7 +699,7 @@
                 </a:solidFill>
               </a:rPr>
               <a:pPr/>
-              <a:t>2019-06-03</a:t>
+              <a:t>2019-06-04</a:t>
             </a:fld>
             <a:endParaRPr lang="ko-KR" altLang="en-US">
               <a:solidFill>
@@ -889,7 +889,7 @@
                 </a:solidFill>
               </a:rPr>
               <a:pPr/>
-              <a:t>2019-06-03</a:t>
+              <a:t>2019-06-04</a:t>
             </a:fld>
             <a:endParaRPr lang="ko-KR" altLang="en-US">
               <a:solidFill>
@@ -1177,7 +1177,7 @@
                 </a:solidFill>
               </a:rPr>
               <a:pPr/>
-              <a:t>2019-06-03</a:t>
+              <a:t>2019-06-04</a:t>
             </a:fld>
             <a:endParaRPr lang="ko-KR" altLang="en-US">
               <a:solidFill>
@@ -1429,7 +1429,7 @@
                 </a:solidFill>
               </a:rPr>
               <a:pPr/>
-              <a:t>2019-06-03</a:t>
+              <a:t>2019-06-04</a:t>
             </a:fld>
             <a:endParaRPr lang="ko-KR" altLang="en-US">
               <a:solidFill>
@@ -1808,7 +1808,7 @@
                 </a:solidFill>
               </a:rPr>
               <a:pPr/>
-              <a:t>2019-06-03</a:t>
+              <a:t>2019-06-04</a:t>
             </a:fld>
             <a:endParaRPr lang="ko-KR" altLang="en-US">
               <a:solidFill>
@@ -1969,7 +1969,7 @@
                 </a:solidFill>
               </a:rPr>
               <a:pPr/>
-              <a:t>2019-06-03</a:t>
+              <a:t>2019-06-04</a:t>
             </a:fld>
             <a:endParaRPr lang="ko-KR" altLang="en-US">
               <a:solidFill>
@@ -2084,7 +2084,7 @@
                 </a:solidFill>
               </a:rPr>
               <a:pPr/>
-              <a:t>2019-06-03</a:t>
+              <a:t>2019-06-04</a:t>
             </a:fld>
             <a:endParaRPr lang="ko-KR" altLang="en-US">
               <a:solidFill>
@@ -2461,7 +2461,7 @@
                 </a:solidFill>
               </a:rPr>
               <a:pPr/>
-              <a:t>2019-06-03</a:t>
+              <a:t>2019-06-04</a:t>
             </a:fld>
             <a:endParaRPr lang="ko-KR" altLang="en-US">
               <a:solidFill>
@@ -2826,7 +2826,7 @@
             <a:fld id="{8F35366E-D432-43AC-B21B-98394E46B3B0}" type="datetimeFigureOut">
               <a:rPr lang="ko-KR" altLang="en-US" smtClean="0"/>
               <a:pPr/>
-              <a:t>2019-06-03</a:t>
+              <a:t>2019-06-04</a:t>
             </a:fld>
             <a:endParaRPr lang="ko-KR" altLang="en-US"/>
           </a:p>
@@ -3075,7 +3075,7 @@
                 </a:solidFill>
               </a:rPr>
               <a:pPr/>
-              <a:t>2019-06-03</a:t>
+              <a:t>2019-06-04</a:t>
             </a:fld>
             <a:endParaRPr lang="ko-KR" altLang="en-US">
               <a:solidFill>
@@ -10601,10 +10601,6 @@
           <a:lstStyle/>
           <a:p>
             <a:pPr algn="ctr"/>
-            <a:r>
-              <a:rPr lang="en-US" altLang="ko-KR" dirty="0" smtClean="0"/>
-              <a:t>copy</a:t>
-            </a:r>
             <a:endParaRPr lang="ko-KR" altLang="en-US" dirty="0"/>
           </a:p>
         </p:txBody>
@@ -10645,10 +10641,6 @@
           <a:lstStyle/>
           <a:p>
             <a:pPr algn="ctr"/>
-            <a:r>
-              <a:rPr lang="en-US" altLang="ko-KR" dirty="0" smtClean="0"/>
-              <a:t>paste</a:t>
-            </a:r>
             <a:endParaRPr lang="ko-KR" altLang="en-US" dirty="0"/>
           </a:p>
         </p:txBody>
@@ -11250,14 +11242,14 @@
       </p:cxnSp>
       <p:sp>
         <p:nvSpPr>
-          <p:cNvPr id="10" name="직사각형 9"/>
+          <p:cNvPr id="11" name="직사각형 10"/>
           <p:cNvSpPr/>
           <p:nvPr/>
         </p:nvSpPr>
         <p:spPr>
           <a:xfrm>
-            <a:off x="3563888" y="4221088"/>
-            <a:ext cx="720080" cy="325338"/>
+            <a:off x="7596336" y="3855419"/>
+            <a:ext cx="792088" cy="325338"/>
           </a:xfrm>
           <a:prstGeom prst="rect">
             <a:avLst/>
@@ -11286,7 +11278,7 @@
             <a:pPr algn="ctr"/>
             <a:r>
               <a:rPr lang="en-US" altLang="ko-KR" dirty="0" smtClean="0"/>
-              <a:t>copy</a:t>
+              <a:t>paste</a:t>
             </a:r>
             <a:endParaRPr lang="ko-KR" altLang="en-US" dirty="0"/>
           </a:p>
@@ -11294,14 +11286,14 @@
       </p:sp>
       <p:sp>
         <p:nvSpPr>
-          <p:cNvPr id="11" name="직사각형 10"/>
+          <p:cNvPr id="12" name="직사각형 11"/>
           <p:cNvSpPr/>
           <p:nvPr/>
         </p:nvSpPr>
         <p:spPr>
           <a:xfrm>
-            <a:off x="7596336" y="3855419"/>
-            <a:ext cx="792088" cy="325338"/>
+            <a:off x="6732240" y="5589240"/>
+            <a:ext cx="720080" cy="325338"/>
           </a:xfrm>
           <a:prstGeom prst="rect">
             <a:avLst/>
@@ -11328,24 +11320,20 @@
           <a:lstStyle/>
           <a:p>
             <a:pPr algn="ctr"/>
-            <a:r>
-              <a:rPr lang="en-US" altLang="ko-KR" dirty="0" smtClean="0"/>
-              <a:t>paste</a:t>
-            </a:r>
             <a:endParaRPr lang="ko-KR" altLang="en-US" dirty="0"/>
           </a:p>
         </p:txBody>
       </p:sp>
       <p:sp>
         <p:nvSpPr>
-          <p:cNvPr id="12" name="직사각형 11"/>
+          <p:cNvPr id="13" name="직사각형 12"/>
           <p:cNvSpPr/>
           <p:nvPr/>
         </p:nvSpPr>
         <p:spPr>
           <a:xfrm>
-            <a:off x="6732240" y="5589240"/>
-            <a:ext cx="720080" cy="325338"/>
+            <a:off x="1691680" y="4276144"/>
+            <a:ext cx="2592288" cy="325338"/>
           </a:xfrm>
           <a:prstGeom prst="rect">
             <a:avLst/>
@@ -11372,24 +11360,20 @@
           <a:lstStyle/>
           <a:p>
             <a:pPr algn="ctr"/>
-            <a:r>
-              <a:rPr lang="en-US" altLang="ko-KR" dirty="0" smtClean="0"/>
-              <a:t>copy</a:t>
-            </a:r>
             <a:endParaRPr lang="ko-KR" altLang="en-US" dirty="0"/>
           </a:p>
         </p:txBody>
       </p:sp>
       <p:sp>
         <p:nvSpPr>
-          <p:cNvPr id="13" name="직사각형 12"/>
+          <p:cNvPr id="14" name="직사각형 13"/>
           <p:cNvSpPr/>
           <p:nvPr/>
         </p:nvSpPr>
         <p:spPr>
           <a:xfrm>
-            <a:off x="755576" y="4274443"/>
-            <a:ext cx="792088" cy="325338"/>
+            <a:off x="3563888" y="4221088"/>
+            <a:ext cx="720080" cy="325338"/>
           </a:xfrm>
           <a:prstGeom prst="rect">
             <a:avLst/>
@@ -11418,7 +11402,7 @@
             <a:pPr algn="ctr"/>
             <a:r>
               <a:rPr lang="en-US" altLang="ko-KR" dirty="0" smtClean="0"/>
-              <a:t>paste</a:t>
+              <a:t>copy</a:t>
             </a:r>
             <a:endParaRPr lang="ko-KR" altLang="en-US" dirty="0"/>
           </a:p>
@@ -11585,7 +11569,7 @@
                                           </p:stCondLst>
                                         </p:cTn>
                                         <p:tgtEl>
-                                          <p:spTgt spid="10"/>
+                                          <p:spTgt spid="14"/>
                                         </p:tgtEl>
                                         <p:attrNameLst>
                                           <p:attrName>style.visibility</p:attrName>
@@ -11763,10 +11747,10 @@
     <p:bldLst>
       <p:bldP spid="4" grpId="0"/>
       <p:bldP spid="2" grpId="0" animBg="1"/>
-      <p:bldP spid="10" grpId="0" animBg="1"/>
       <p:bldP spid="11" grpId="0" animBg="1"/>
       <p:bldP spid="12" grpId="0" animBg="1"/>
       <p:bldP spid="13" grpId="0" animBg="1"/>
+      <p:bldP spid="14" grpId="0" animBg="1"/>
     </p:bldLst>
   </p:timing>
 </p:sld>
@@ -13238,7 +13222,7 @@
   <a:extraClrSchemeLst/>
   <a:extLst>
     <a:ext uri="{05A4C25C-085E-4340-85A3-A5531E510DB2}">
-      <thm15:themeFamily xmlns="" xmlns:thm15="http://schemas.microsoft.com/office/thememl/2012/main" name="Parcel" id="{8BEC4385-4EB9-4D53-BFB5-0EA123736B6D}" vid="{4DB32801-28C0-48B0-8C1D-A9A58613615A}"/>
+      <thm15:themeFamily xmlns:thm15="http://schemas.microsoft.com/office/thememl/2012/main" xmlns="" name="Parcel" id="{8BEC4385-4EB9-4D53-BFB5-0EA123736B6D}" vid="{4DB32801-28C0-48B0-8C1D-A9A58613615A}"/>
     </a:ext>
   </a:extLst>
 </a:theme>
